--- a/Проект_чат_бот.pptx
+++ b/Проект_чат_бот.pptx
@@ -111,6 +111,11 @@
       </a:defRPr>
     </a:lvl9pPr>
   </p:defaultTextStyle>
+  <p:extLst>
+    <p:ext uri="{EFAFB233-063F-42B5-8137-9DF3F51BA10A}">
+      <p15:sldGuideLst xmlns:p15="http://schemas.microsoft.com/office/powerpoint/2012/main"/>
+    </p:ext>
+  </p:extLst>
 </p:presentation>
 </file>
 
@@ -300,9 +305,9 @@
           <a:p>
             <a:fld id="{8929D596-DA1A-4F6C-89AF-48B474CB43BE}" type="datetimeFigureOut">
               <a:rPr lang="ru-RU" smtClean="0"/>
-              <a:t>16.04.2024</a:t>
+              <a:t>26.04.2024</a:t>
             </a:fld>
-            <a:endParaRPr lang="ru-RU"/>
+            <a:endParaRPr lang="ru-RU" dirty="0"/>
           </a:p>
         </p:txBody>
       </p:sp>
@@ -321,7 +326,7 @@
           <a:bodyPr/>
           <a:lstStyle/>
           <a:p>
-            <a:endParaRPr lang="ru-RU"/>
+            <a:endParaRPr lang="ru-RU" dirty="0"/>
           </a:p>
         </p:txBody>
       </p:sp>
@@ -344,7 +349,7 @@
               <a:rPr lang="ru-RU" smtClean="0"/>
               <a:t>‹#›</a:t>
             </a:fld>
-            <a:endParaRPr lang="ru-RU"/>
+            <a:endParaRPr lang="ru-RU" dirty="0"/>
           </a:p>
         </p:txBody>
       </p:sp>
@@ -484,7 +489,7 @@
           </a:lstStyle>
           <a:p>
             <a:r>
-              <a:rPr lang="ru-RU" smtClean="0"/>
+              <a:rPr lang="ru-RU" dirty="0" smtClean="0"/>
               <a:t>Вставка рисунка</a:t>
             </a:r>
             <a:endParaRPr lang="en-US" dirty="0"/>
@@ -575,9 +580,9 @@
           <a:p>
             <a:fld id="{8929D596-DA1A-4F6C-89AF-48B474CB43BE}" type="datetimeFigureOut">
               <a:rPr lang="ru-RU" smtClean="0"/>
-              <a:t>16.04.2024</a:t>
+              <a:t>26.04.2024</a:t>
             </a:fld>
-            <a:endParaRPr lang="ru-RU"/>
+            <a:endParaRPr lang="ru-RU" dirty="0"/>
           </a:p>
         </p:txBody>
       </p:sp>
@@ -596,7 +601,7 @@
           <a:bodyPr/>
           <a:lstStyle/>
           <a:p>
-            <a:endParaRPr lang="ru-RU"/>
+            <a:endParaRPr lang="ru-RU" dirty="0"/>
           </a:p>
         </p:txBody>
       </p:sp>
@@ -619,7 +624,7 @@
               <a:rPr lang="ru-RU" smtClean="0"/>
               <a:t>‹#›</a:t>
             </a:fld>
-            <a:endParaRPr lang="ru-RU"/>
+            <a:endParaRPr lang="ru-RU" dirty="0"/>
           </a:p>
         </p:txBody>
       </p:sp>
@@ -769,9 +774,9 @@
           <a:p>
             <a:fld id="{8929D596-DA1A-4F6C-89AF-48B474CB43BE}" type="datetimeFigureOut">
               <a:rPr lang="ru-RU" smtClean="0"/>
-              <a:t>16.04.2024</a:t>
+              <a:t>26.04.2024</a:t>
             </a:fld>
-            <a:endParaRPr lang="ru-RU"/>
+            <a:endParaRPr lang="ru-RU" dirty="0"/>
           </a:p>
         </p:txBody>
       </p:sp>
@@ -790,7 +795,7 @@
           <a:bodyPr/>
           <a:lstStyle/>
           <a:p>
-            <a:endParaRPr lang="ru-RU"/>
+            <a:endParaRPr lang="ru-RU" dirty="0"/>
           </a:p>
         </p:txBody>
       </p:sp>
@@ -813,7 +818,7 @@
               <a:rPr lang="ru-RU" smtClean="0"/>
               <a:t>‹#›</a:t>
             </a:fld>
-            <a:endParaRPr lang="ru-RU"/>
+            <a:endParaRPr lang="ru-RU" dirty="0"/>
           </a:p>
         </p:txBody>
       </p:sp>
@@ -1042,9 +1047,9 @@
           <a:p>
             <a:fld id="{8929D596-DA1A-4F6C-89AF-48B474CB43BE}" type="datetimeFigureOut">
               <a:rPr lang="ru-RU" smtClean="0"/>
-              <a:t>16.04.2024</a:t>
+              <a:t>26.04.2024</a:t>
             </a:fld>
-            <a:endParaRPr lang="ru-RU"/>
+            <a:endParaRPr lang="ru-RU" dirty="0"/>
           </a:p>
         </p:txBody>
       </p:sp>
@@ -1063,7 +1068,7 @@
           <a:bodyPr/>
           <a:lstStyle/>
           <a:p>
-            <a:endParaRPr lang="ru-RU"/>
+            <a:endParaRPr lang="ru-RU" dirty="0"/>
           </a:p>
         </p:txBody>
       </p:sp>
@@ -1086,7 +1091,7 @@
               <a:rPr lang="ru-RU" smtClean="0"/>
               <a:t>‹#›</a:t>
             </a:fld>
-            <a:endParaRPr lang="ru-RU"/>
+            <a:endParaRPr lang="ru-RU" dirty="0"/>
           </a:p>
         </p:txBody>
       </p:sp>
@@ -1383,9 +1388,9 @@
           <a:p>
             <a:fld id="{8929D596-DA1A-4F6C-89AF-48B474CB43BE}" type="datetimeFigureOut">
               <a:rPr lang="ru-RU" smtClean="0"/>
-              <a:t>16.04.2024</a:t>
+              <a:t>26.04.2024</a:t>
             </a:fld>
-            <a:endParaRPr lang="ru-RU"/>
+            <a:endParaRPr lang="ru-RU" dirty="0"/>
           </a:p>
         </p:txBody>
       </p:sp>
@@ -1404,7 +1409,7 @@
           <a:bodyPr/>
           <a:lstStyle/>
           <a:p>
-            <a:endParaRPr lang="ru-RU"/>
+            <a:endParaRPr lang="ru-RU" dirty="0"/>
           </a:p>
         </p:txBody>
       </p:sp>
@@ -1427,7 +1432,7 @@
               <a:rPr lang="ru-RU" smtClean="0"/>
               <a:t>‹#›</a:t>
             </a:fld>
-            <a:endParaRPr lang="ru-RU"/>
+            <a:endParaRPr lang="ru-RU" dirty="0"/>
           </a:p>
         </p:txBody>
       </p:sp>
@@ -2006,9 +2011,9 @@
           <a:p>
             <a:fld id="{8929D596-DA1A-4F6C-89AF-48B474CB43BE}" type="datetimeFigureOut">
               <a:rPr lang="ru-RU" smtClean="0"/>
-              <a:t>16.04.2024</a:t>
+              <a:t>26.04.2024</a:t>
             </a:fld>
-            <a:endParaRPr lang="ru-RU"/>
+            <a:endParaRPr lang="ru-RU" dirty="0"/>
           </a:p>
         </p:txBody>
       </p:sp>
@@ -2027,7 +2032,7 @@
           <a:bodyPr/>
           <a:lstStyle/>
           <a:p>
-            <a:endParaRPr lang="ru-RU"/>
+            <a:endParaRPr lang="ru-RU" dirty="0"/>
           </a:p>
         </p:txBody>
       </p:sp>
@@ -2050,7 +2055,7 @@
               <a:rPr lang="ru-RU" smtClean="0"/>
               <a:t>‹#›</a:t>
             </a:fld>
-            <a:endParaRPr lang="ru-RU"/>
+            <a:endParaRPr lang="ru-RU" dirty="0"/>
           </a:p>
         </p:txBody>
       </p:sp>
@@ -2257,7 +2262,7 @@
           </a:lstStyle>
           <a:p>
             <a:r>
-              <a:rPr lang="ru-RU" smtClean="0"/>
+              <a:rPr lang="ru-RU" dirty="0" smtClean="0"/>
               <a:t>Вставка рисунка</a:t>
             </a:r>
             <a:endParaRPr lang="en-US" dirty="0"/>
@@ -2477,7 +2482,7 @@
           </a:lstStyle>
           <a:p>
             <a:r>
-              <a:rPr lang="ru-RU" smtClean="0"/>
+              <a:rPr lang="ru-RU" dirty="0" smtClean="0"/>
               <a:t>Вставка рисунка</a:t>
             </a:r>
             <a:endParaRPr lang="en-US" dirty="0"/>
@@ -2697,7 +2702,7 @@
           </a:lstStyle>
           <a:p>
             <a:r>
-              <a:rPr lang="ru-RU" smtClean="0"/>
+              <a:rPr lang="ru-RU" dirty="0" smtClean="0"/>
               <a:t>Вставка рисунка</a:t>
             </a:r>
             <a:endParaRPr lang="en-US" dirty="0"/>
@@ -2866,9 +2871,9 @@
           <a:p>
             <a:fld id="{8929D596-DA1A-4F6C-89AF-48B474CB43BE}" type="datetimeFigureOut">
               <a:rPr lang="ru-RU" smtClean="0"/>
-              <a:t>16.04.2024</a:t>
+              <a:t>26.04.2024</a:t>
             </a:fld>
-            <a:endParaRPr lang="ru-RU"/>
+            <a:endParaRPr lang="ru-RU" dirty="0"/>
           </a:p>
         </p:txBody>
       </p:sp>
@@ -2887,7 +2892,7 @@
           <a:bodyPr/>
           <a:lstStyle/>
           <a:p>
-            <a:endParaRPr lang="ru-RU"/>
+            <a:endParaRPr lang="ru-RU" dirty="0"/>
           </a:p>
         </p:txBody>
       </p:sp>
@@ -2910,7 +2915,7 @@
               <a:rPr lang="ru-RU" smtClean="0"/>
               <a:t>‹#›</a:t>
             </a:fld>
-            <a:endParaRPr lang="ru-RU"/>
+            <a:endParaRPr lang="ru-RU" dirty="0"/>
           </a:p>
         </p:txBody>
       </p:sp>
@@ -3036,9 +3041,9 @@
           <a:p>
             <a:fld id="{8929D596-DA1A-4F6C-89AF-48B474CB43BE}" type="datetimeFigureOut">
               <a:rPr lang="ru-RU" smtClean="0"/>
-              <a:t>16.04.2024</a:t>
+              <a:t>26.04.2024</a:t>
             </a:fld>
-            <a:endParaRPr lang="ru-RU"/>
+            <a:endParaRPr lang="ru-RU" dirty="0"/>
           </a:p>
         </p:txBody>
       </p:sp>
@@ -3057,7 +3062,7 @@
           <a:bodyPr/>
           <a:lstStyle/>
           <a:p>
-            <a:endParaRPr lang="ru-RU"/>
+            <a:endParaRPr lang="ru-RU" dirty="0"/>
           </a:p>
         </p:txBody>
       </p:sp>
@@ -3080,7 +3085,7 @@
               <a:rPr lang="ru-RU" smtClean="0"/>
               <a:t>‹#›</a:t>
             </a:fld>
-            <a:endParaRPr lang="ru-RU"/>
+            <a:endParaRPr lang="ru-RU" dirty="0"/>
           </a:p>
         </p:txBody>
       </p:sp>
@@ -3216,9 +3221,9 @@
           <a:p>
             <a:fld id="{8929D596-DA1A-4F6C-89AF-48B474CB43BE}" type="datetimeFigureOut">
               <a:rPr lang="ru-RU" smtClean="0"/>
-              <a:t>16.04.2024</a:t>
+              <a:t>26.04.2024</a:t>
             </a:fld>
-            <a:endParaRPr lang="ru-RU"/>
+            <a:endParaRPr lang="ru-RU" dirty="0"/>
           </a:p>
         </p:txBody>
       </p:sp>
@@ -3237,7 +3242,7 @@
           <a:bodyPr/>
           <a:lstStyle/>
           <a:p>
-            <a:endParaRPr lang="ru-RU"/>
+            <a:endParaRPr lang="ru-RU" dirty="0"/>
           </a:p>
         </p:txBody>
       </p:sp>
@@ -3260,7 +3265,7 @@
               <a:rPr lang="ru-RU" smtClean="0"/>
               <a:t>‹#›</a:t>
             </a:fld>
-            <a:endParaRPr lang="ru-RU"/>
+            <a:endParaRPr lang="ru-RU" dirty="0"/>
           </a:p>
         </p:txBody>
       </p:sp>
@@ -3386,9 +3391,9 @@
           <a:p>
             <a:fld id="{8929D596-DA1A-4F6C-89AF-48B474CB43BE}" type="datetimeFigureOut">
               <a:rPr lang="ru-RU" smtClean="0"/>
-              <a:t>16.04.2024</a:t>
+              <a:t>26.04.2024</a:t>
             </a:fld>
-            <a:endParaRPr lang="ru-RU"/>
+            <a:endParaRPr lang="ru-RU" dirty="0"/>
           </a:p>
         </p:txBody>
       </p:sp>
@@ -3407,7 +3412,7 @@
           <a:bodyPr/>
           <a:lstStyle/>
           <a:p>
-            <a:endParaRPr lang="ru-RU"/>
+            <a:endParaRPr lang="ru-RU" dirty="0"/>
           </a:p>
         </p:txBody>
       </p:sp>
@@ -3430,7 +3435,7 @@
               <a:rPr lang="ru-RU" smtClean="0"/>
               <a:t>‹#›</a:t>
             </a:fld>
-            <a:endParaRPr lang="ru-RU"/>
+            <a:endParaRPr lang="ru-RU" dirty="0"/>
           </a:p>
         </p:txBody>
       </p:sp>
@@ -3633,9 +3638,9 @@
           <a:p>
             <a:fld id="{8929D596-DA1A-4F6C-89AF-48B474CB43BE}" type="datetimeFigureOut">
               <a:rPr lang="ru-RU" smtClean="0"/>
-              <a:t>16.04.2024</a:t>
+              <a:t>26.04.2024</a:t>
             </a:fld>
-            <a:endParaRPr lang="ru-RU"/>
+            <a:endParaRPr lang="ru-RU" dirty="0"/>
           </a:p>
         </p:txBody>
       </p:sp>
@@ -3654,7 +3659,7 @@
           <a:bodyPr/>
           <a:lstStyle/>
           <a:p>
-            <a:endParaRPr lang="ru-RU"/>
+            <a:endParaRPr lang="ru-RU" dirty="0"/>
           </a:p>
         </p:txBody>
       </p:sp>
@@ -3677,7 +3682,7 @@
               <a:rPr lang="ru-RU" smtClean="0"/>
               <a:t>‹#›</a:t>
             </a:fld>
-            <a:endParaRPr lang="ru-RU"/>
+            <a:endParaRPr lang="ru-RU" dirty="0"/>
           </a:p>
         </p:txBody>
       </p:sp>
@@ -3925,9 +3930,9 @@
           <a:p>
             <a:fld id="{8929D596-DA1A-4F6C-89AF-48B474CB43BE}" type="datetimeFigureOut">
               <a:rPr lang="ru-RU" smtClean="0"/>
-              <a:t>16.04.2024</a:t>
+              <a:t>26.04.2024</a:t>
             </a:fld>
-            <a:endParaRPr lang="ru-RU"/>
+            <a:endParaRPr lang="ru-RU" dirty="0"/>
           </a:p>
         </p:txBody>
       </p:sp>
@@ -3946,7 +3951,7 @@
           <a:bodyPr/>
           <a:lstStyle/>
           <a:p>
-            <a:endParaRPr lang="ru-RU"/>
+            <a:endParaRPr lang="ru-RU" dirty="0"/>
           </a:p>
         </p:txBody>
       </p:sp>
@@ -3969,7 +3974,7 @@
               <a:rPr lang="ru-RU" smtClean="0"/>
               <a:t>‹#›</a:t>
             </a:fld>
-            <a:endParaRPr lang="ru-RU"/>
+            <a:endParaRPr lang="ru-RU" dirty="0"/>
           </a:p>
         </p:txBody>
       </p:sp>
@@ -4369,9 +4374,9 @@
           <a:p>
             <a:fld id="{8929D596-DA1A-4F6C-89AF-48B474CB43BE}" type="datetimeFigureOut">
               <a:rPr lang="ru-RU" smtClean="0"/>
-              <a:t>16.04.2024</a:t>
+              <a:t>26.04.2024</a:t>
             </a:fld>
-            <a:endParaRPr lang="ru-RU"/>
+            <a:endParaRPr lang="ru-RU" dirty="0"/>
           </a:p>
         </p:txBody>
       </p:sp>
@@ -4390,7 +4395,7 @@
           <a:bodyPr/>
           <a:lstStyle/>
           <a:p>
-            <a:endParaRPr lang="ru-RU"/>
+            <a:endParaRPr lang="ru-RU" dirty="0"/>
           </a:p>
         </p:txBody>
       </p:sp>
@@ -4413,7 +4418,7 @@
               <a:rPr lang="ru-RU" smtClean="0"/>
               <a:t>‹#›</a:t>
             </a:fld>
-            <a:endParaRPr lang="ru-RU"/>
+            <a:endParaRPr lang="ru-RU" dirty="0"/>
           </a:p>
         </p:txBody>
       </p:sp>
@@ -4487,9 +4492,9 @@
           <a:p>
             <a:fld id="{8929D596-DA1A-4F6C-89AF-48B474CB43BE}" type="datetimeFigureOut">
               <a:rPr lang="ru-RU" smtClean="0"/>
-              <a:t>16.04.2024</a:t>
+              <a:t>26.04.2024</a:t>
             </a:fld>
-            <a:endParaRPr lang="ru-RU"/>
+            <a:endParaRPr lang="ru-RU" dirty="0"/>
           </a:p>
         </p:txBody>
       </p:sp>
@@ -4508,7 +4513,7 @@
           <a:bodyPr/>
           <a:lstStyle/>
           <a:p>
-            <a:endParaRPr lang="ru-RU"/>
+            <a:endParaRPr lang="ru-RU" dirty="0"/>
           </a:p>
         </p:txBody>
       </p:sp>
@@ -4531,7 +4536,7 @@
               <a:rPr lang="ru-RU" smtClean="0"/>
               <a:t>‹#›</a:t>
             </a:fld>
-            <a:endParaRPr lang="ru-RU"/>
+            <a:endParaRPr lang="ru-RU" dirty="0"/>
           </a:p>
         </p:txBody>
       </p:sp>
@@ -4582,9 +4587,9 @@
           <a:p>
             <a:fld id="{8929D596-DA1A-4F6C-89AF-48B474CB43BE}" type="datetimeFigureOut">
               <a:rPr lang="ru-RU" smtClean="0"/>
-              <a:t>16.04.2024</a:t>
+              <a:t>26.04.2024</a:t>
             </a:fld>
-            <a:endParaRPr lang="ru-RU"/>
+            <a:endParaRPr lang="ru-RU" dirty="0"/>
           </a:p>
         </p:txBody>
       </p:sp>
@@ -4603,7 +4608,7 @@
           <a:bodyPr/>
           <a:lstStyle/>
           <a:p>
-            <a:endParaRPr lang="ru-RU"/>
+            <a:endParaRPr lang="ru-RU" dirty="0"/>
           </a:p>
         </p:txBody>
       </p:sp>
@@ -4626,7 +4631,7 @@
               <a:rPr lang="ru-RU" smtClean="0"/>
               <a:t>‹#›</a:t>
             </a:fld>
-            <a:endParaRPr lang="ru-RU"/>
+            <a:endParaRPr lang="ru-RU" dirty="0"/>
           </a:p>
         </p:txBody>
       </p:sp>
@@ -4861,9 +4866,9 @@
           <a:p>
             <a:fld id="{8929D596-DA1A-4F6C-89AF-48B474CB43BE}" type="datetimeFigureOut">
               <a:rPr lang="ru-RU" smtClean="0"/>
-              <a:t>16.04.2024</a:t>
+              <a:t>26.04.2024</a:t>
             </a:fld>
-            <a:endParaRPr lang="ru-RU"/>
+            <a:endParaRPr lang="ru-RU" dirty="0"/>
           </a:p>
         </p:txBody>
       </p:sp>
@@ -4882,7 +4887,7 @@
           <a:bodyPr/>
           <a:lstStyle/>
           <a:p>
-            <a:endParaRPr lang="ru-RU"/>
+            <a:endParaRPr lang="ru-RU" dirty="0"/>
           </a:p>
         </p:txBody>
       </p:sp>
@@ -4905,7 +4910,7 @@
               <a:rPr lang="ru-RU" smtClean="0"/>
               <a:t>‹#›</a:t>
             </a:fld>
-            <a:endParaRPr lang="ru-RU"/>
+            <a:endParaRPr lang="ru-RU" dirty="0"/>
           </a:p>
         </p:txBody>
       </p:sp>
@@ -5045,7 +5050,7 @@
           </a:lstStyle>
           <a:p>
             <a:r>
-              <a:rPr lang="ru-RU" smtClean="0"/>
+              <a:rPr lang="ru-RU" dirty="0" smtClean="0"/>
               <a:t>Вставка рисунка</a:t>
             </a:r>
             <a:endParaRPr lang="en-US" dirty="0"/>
@@ -5136,9 +5141,9 @@
           <a:p>
             <a:fld id="{8929D596-DA1A-4F6C-89AF-48B474CB43BE}" type="datetimeFigureOut">
               <a:rPr lang="ru-RU" smtClean="0"/>
-              <a:t>16.04.2024</a:t>
+              <a:t>26.04.2024</a:t>
             </a:fld>
-            <a:endParaRPr lang="ru-RU"/>
+            <a:endParaRPr lang="ru-RU" dirty="0"/>
           </a:p>
         </p:txBody>
       </p:sp>
@@ -5157,7 +5162,7 @@
           <a:bodyPr/>
           <a:lstStyle/>
           <a:p>
-            <a:endParaRPr lang="ru-RU"/>
+            <a:endParaRPr lang="ru-RU" dirty="0"/>
           </a:p>
         </p:txBody>
       </p:sp>
@@ -5180,7 +5185,7 @@
               <a:rPr lang="ru-RU" smtClean="0"/>
               <a:t>‹#›</a:t>
             </a:fld>
-            <a:endParaRPr lang="ru-RU"/>
+            <a:endParaRPr lang="ru-RU" dirty="0"/>
           </a:p>
         </p:txBody>
       </p:sp>
@@ -5565,9 +5570,9 @@
           <a:p>
             <a:fld id="{8929D596-DA1A-4F6C-89AF-48B474CB43BE}" type="datetimeFigureOut">
               <a:rPr lang="ru-RU" smtClean="0"/>
-              <a:t>16.04.2024</a:t>
+              <a:t>26.04.2024</a:t>
             </a:fld>
-            <a:endParaRPr lang="ru-RU"/>
+            <a:endParaRPr lang="ru-RU" dirty="0"/>
           </a:p>
         </p:txBody>
       </p:sp>
@@ -5605,7 +5610,7 @@
             </a:lvl1pPr>
           </a:lstStyle>
           <a:p>
-            <a:endParaRPr lang="ru-RU"/>
+            <a:endParaRPr lang="ru-RU" dirty="0"/>
           </a:p>
         </p:txBody>
       </p:sp>
@@ -5646,7 +5651,7 @@
               <a:rPr lang="ru-RU" smtClean="0"/>
               <a:t>‹#›</a:t>
             </a:fld>
-            <a:endParaRPr lang="ru-RU"/>
+            <a:endParaRPr lang="ru-RU" dirty="0"/>
           </a:p>
         </p:txBody>
       </p:sp>
@@ -6149,6 +6154,9 @@
   <p:clrMapOvr>
     <a:masterClrMapping/>
   </p:clrMapOvr>
+  <p:transition spd="med">
+    <p:pull/>
+  </p:transition>
 </p:sld>
 </file>
 
@@ -6208,7 +6216,7 @@
         <p:spPr>
           <a:xfrm>
             <a:off x="689958" y="1945178"/>
-            <a:ext cx="1526380" cy="369332"/>
+            <a:ext cx="8685391" cy="1200329"/>
           </a:xfrm>
           <a:prstGeom prst="rect">
             <a:avLst/>
@@ -6223,12 +6231,72 @@
           <a:p>
             <a:r>
               <a:rPr lang="ru-RU" dirty="0" smtClean="0"/>
-              <a:t>Вступление</a:t>
-            </a:r>
+              <a:t>В стране очень много ресторанов/кафе, у которых нет своего чат-бота. </a:t>
+            </a:r>
+          </a:p>
+          <a:p>
+            <a:r>
+              <a:rPr lang="ru-RU" dirty="0" smtClean="0"/>
+              <a:t>Именно поэтому создание чат-бота и является целью моего проекта</a:t>
+            </a:r>
+          </a:p>
+          <a:p>
             <a:endParaRPr lang="ru-RU" dirty="0"/>
           </a:p>
-        </p:txBody>
-      </p:sp>
+          <a:p>
+            <a:r>
+              <a:rPr lang="ru-RU" dirty="0" smtClean="0"/>
+              <a:t>В написании проекта мне помогла голова и язык </a:t>
+            </a:r>
+            <a:r>
+              <a:rPr lang="en-US" dirty="0" smtClean="0"/>
+              <a:t>Python</a:t>
+            </a:r>
+            <a:endParaRPr lang="ru-RU" dirty="0"/>
+          </a:p>
+        </p:txBody>
+      </p:sp>
+      <p:pic>
+        <p:nvPicPr>
+          <p:cNvPr id="4" name="Picture 2" descr="Python – Бесплатные иконки: логотип"/>
+          <p:cNvPicPr>
+            <a:picLocks noChangeAspect="1" noChangeArrowheads="1"/>
+          </p:cNvPicPr>
+          <p:nvPr/>
+        </p:nvPicPr>
+        <p:blipFill>
+          <a:blip r:embed="rId2">
+            <a:extLst>
+              <a:ext uri="{28A0092B-C50C-407E-A947-70E740481C1C}">
+                <a14:useLocalDpi xmlns:a14="http://schemas.microsoft.com/office/drawing/2010/main" val="0"/>
+              </a:ext>
+            </a:extLst>
+          </a:blip>
+          <a:srcRect/>
+          <a:stretch>
+            <a:fillRect/>
+          </a:stretch>
+        </p:blipFill>
+        <p:spPr bwMode="auto">
+          <a:xfrm>
+            <a:off x="689958" y="3416532"/>
+            <a:ext cx="2854300" cy="2854301"/>
+          </a:xfrm>
+          <a:prstGeom prst="rect">
+            <a:avLst/>
+          </a:prstGeom>
+          <a:noFill/>
+          <a:extLst>
+            <a:ext uri="{909E8E84-426E-40DD-AFC4-6F175D3DCCD1}">
+              <a14:hiddenFill xmlns:a14="http://schemas.microsoft.com/office/drawing/2010/main">
+                <a:solidFill>
+                  <a:srgbClr val="FFFFFF"/>
+                </a:solidFill>
+              </a14:hiddenFill>
+            </a:ext>
+          </a:extLst>
+        </p:spPr>
+      </p:pic>
     </p:spTree>
     <p:extLst>
       <p:ext uri="{BB962C8B-B14F-4D97-AF65-F5344CB8AC3E}">
@@ -6239,6 +6307,9 @@
   <p:clrMapOvr>
     <a:masterClrMapping/>
   </p:clrMapOvr>
+  <p:transition spd="med">
+    <p:pull/>
+  </p:transition>
 </p:sld>
 </file>
 
@@ -6312,6 +6383,146 @@
           </a:p>
         </p:txBody>
       </p:sp>
+      <p:sp>
+        <p:nvSpPr>
+          <p:cNvPr id="4" name="TextBox 3"/>
+          <p:cNvSpPr txBox="1"/>
+          <p:nvPr/>
+        </p:nvSpPr>
+        <p:spPr>
+          <a:xfrm>
+            <a:off x="681641" y="1903618"/>
+            <a:ext cx="1728358" cy="2585323"/>
+          </a:xfrm>
+          <a:prstGeom prst="rect">
+            <a:avLst/>
+          </a:prstGeom>
+          <a:noFill/>
+        </p:spPr>
+        <p:txBody>
+          <a:bodyPr wrap="none" rtlCol="0">
+            <a:spAutoFit/>
+          </a:bodyPr>
+          <a:lstStyle/>
+          <a:p>
+            <a:r>
+              <a:rPr lang="ru-RU" dirty="0" smtClean="0"/>
+              <a:t>1. </a:t>
+            </a:r>
+            <a:r>
+              <a:rPr lang="en-US" dirty="0" err="1" smtClean="0"/>
+              <a:t>telebot</a:t>
+            </a:r>
+            <a:endParaRPr lang="ru-RU" dirty="0" smtClean="0"/>
+          </a:p>
+          <a:p>
+            <a:endParaRPr lang="ru-RU" dirty="0"/>
+          </a:p>
+          <a:p>
+            <a:r>
+              <a:rPr lang="ru-RU" dirty="0" smtClean="0"/>
+              <a:t>2.</a:t>
+            </a:r>
+            <a:r>
+              <a:rPr lang="en-US" dirty="0" smtClean="0"/>
+              <a:t> random</a:t>
+            </a:r>
+            <a:endParaRPr lang="ru-RU" dirty="0" smtClean="0"/>
+          </a:p>
+          <a:p>
+            <a:r>
+              <a:rPr lang="ru-RU" dirty="0" smtClean="0"/>
+              <a:t> </a:t>
+            </a:r>
+          </a:p>
+          <a:p>
+            <a:r>
+              <a:rPr lang="ru-RU" dirty="0" smtClean="0"/>
+              <a:t>3.</a:t>
+            </a:r>
+            <a:r>
+              <a:rPr lang="en-US" dirty="0" smtClean="0"/>
+              <a:t> sqlite3</a:t>
+            </a:r>
+            <a:endParaRPr lang="ru-RU" dirty="0" smtClean="0"/>
+          </a:p>
+          <a:p>
+            <a:r>
+              <a:rPr lang="ru-RU" dirty="0" smtClean="0"/>
+              <a:t> </a:t>
+            </a:r>
+          </a:p>
+          <a:p>
+            <a:r>
+              <a:rPr lang="ru-RU" dirty="0" smtClean="0"/>
+              <a:t>4.</a:t>
+            </a:r>
+            <a:r>
+              <a:rPr lang="en-US" dirty="0" smtClean="0"/>
+              <a:t> num2words</a:t>
+            </a:r>
+            <a:endParaRPr lang="ru-RU" dirty="0" smtClean="0"/>
+          </a:p>
+          <a:p>
+            <a:r>
+              <a:rPr lang="ru-RU" dirty="0" smtClean="0"/>
+              <a:t> </a:t>
+            </a:r>
+          </a:p>
+          <a:p>
+            <a:r>
+              <a:rPr lang="ru-RU" dirty="0" smtClean="0"/>
+              <a:t>5. </a:t>
+            </a:r>
+            <a:r>
+              <a:rPr lang="en-US" dirty="0" smtClean="0"/>
+              <a:t>re</a:t>
+            </a:r>
+            <a:endParaRPr lang="ru-RU" dirty="0"/>
+          </a:p>
+        </p:txBody>
+      </p:sp>
+      <p:pic>
+        <p:nvPicPr>
+          <p:cNvPr id="2050" name="Picture 2" descr="Python – Бесплатные иконки: логотип"/>
+          <p:cNvPicPr>
+            <a:picLocks noChangeAspect="1" noChangeArrowheads="1"/>
+          </p:cNvPicPr>
+          <p:nvPr/>
+        </p:nvPicPr>
+        <p:blipFill>
+          <a:blip r:embed="rId2">
+            <a:extLst>
+              <a:ext uri="{28A0092B-C50C-407E-A947-70E740481C1C}">
+                <a14:useLocalDpi xmlns:a14="http://schemas.microsoft.com/office/drawing/2010/main" val="0"/>
+              </a:ext>
+            </a:extLst>
+          </a:blip>
+          <a:srcRect/>
+          <a:stretch>
+            <a:fillRect/>
+          </a:stretch>
+        </p:blipFill>
+        <p:spPr bwMode="auto">
+          <a:xfrm>
+            <a:off x="4089862" y="1221830"/>
+            <a:ext cx="3602586" cy="3602587"/>
+          </a:xfrm>
+          <a:prstGeom prst="rect">
+            <a:avLst/>
+          </a:prstGeom>
+          <a:noFill/>
+          <a:extLst>
+            <a:ext uri="{909E8E84-426E-40DD-AFC4-6F175D3DCCD1}">
+              <a14:hiddenFill xmlns:a14="http://schemas.microsoft.com/office/drawing/2010/main">
+                <a:solidFill>
+                  <a:srgbClr val="FFFFFF"/>
+                </a:solidFill>
+              </a14:hiddenFill>
+            </a:ext>
+          </a:extLst>
+        </p:spPr>
+      </p:pic>
     </p:spTree>
     <p:extLst>
       <p:ext uri="{BB962C8B-B14F-4D97-AF65-F5344CB8AC3E}">
@@ -6322,6 +6533,9 @@
   <p:clrMapOvr>
     <a:masterClrMapping/>
   </p:clrMapOvr>
+  <p:transition spd="med">
+    <p:pull/>
+  </p:transition>
 </p:sld>
 </file>
 
@@ -6412,6 +6626,108 @@
           </a:p>
         </p:txBody>
       </p:sp>
+      <p:sp>
+        <p:nvSpPr>
+          <p:cNvPr id="4" name="AutoShape 2" descr="https://af12.mail.ru/cgi-bin/readmsg?id=17141277851113699893;0;1;1&amp;mode=attachment&amp;email=rsergey2007@mail.ru&amp;ct=image%2fpng&amp;cn=image.png&amp;cte=binary"/>
+          <p:cNvSpPr>
+            <a:spLocks noChangeAspect="1" noChangeArrowheads="1"/>
+          </p:cNvSpPr>
+          <p:nvPr/>
+        </p:nvSpPr>
+        <p:spPr bwMode="auto">
+          <a:xfrm>
+            <a:off x="1843057" y="2258227"/>
+            <a:ext cx="987235" cy="987238"/>
+          </a:xfrm>
+          <a:prstGeom prst="rect">
+            <a:avLst/>
+          </a:prstGeom>
+          <a:noFill/>
+          <a:extLst>
+            <a:ext uri="{909E8E84-426E-40DD-AFC4-6F175D3DCCD1}">
+              <a14:hiddenFill xmlns:a14="http://schemas.microsoft.com/office/drawing/2010/main">
+                <a:solidFill>
+                  <a:srgbClr val="FFFFFF"/>
+                </a:solidFill>
+              </a14:hiddenFill>
+            </a:ext>
+          </a:extLst>
+        </p:spPr>
+        <p:txBody>
+          <a:bodyPr vert="horz" wrap="square" lIns="91440" tIns="45720" rIns="91440" bIns="45720" numCol="1" anchor="t" anchorCtr="0" compatLnSpc="1">
+            <a:prstTxWarp prst="textNoShape">
+              <a:avLst/>
+            </a:prstTxWarp>
+          </a:bodyPr>
+          <a:lstStyle/>
+          <a:p>
+            <a:endParaRPr lang="ru-RU"/>
+          </a:p>
+        </p:txBody>
+      </p:sp>
+      <p:sp>
+        <p:nvSpPr>
+          <p:cNvPr id="5" name="AutoShape 4" descr="https://af12.mail.ru/cgi-bin/readmsg?id=17141277851113699893;0;1;1&amp;mode=attachment&amp;email=rsergey2007@mail.ru&amp;ct=image%2fpng&amp;cn=image.png&amp;cte=binary"/>
+          <p:cNvSpPr>
+            <a:spLocks noChangeAspect="1" noChangeArrowheads="1"/>
+          </p:cNvSpPr>
+          <p:nvPr/>
+        </p:nvSpPr>
+        <p:spPr bwMode="auto">
+          <a:xfrm>
+            <a:off x="307975" y="7937"/>
+            <a:ext cx="304800" cy="304801"/>
+          </a:xfrm>
+          <a:prstGeom prst="rect">
+            <a:avLst/>
+          </a:prstGeom>
+          <a:noFill/>
+          <a:extLst>
+            <a:ext uri="{909E8E84-426E-40DD-AFC4-6F175D3DCCD1}">
+              <a14:hiddenFill xmlns:a14="http://schemas.microsoft.com/office/drawing/2010/main">
+                <a:solidFill>
+                  <a:srgbClr val="FFFFFF"/>
+                </a:solidFill>
+              </a14:hiddenFill>
+            </a:ext>
+          </a:extLst>
+        </p:spPr>
+        <p:txBody>
+          <a:bodyPr vert="horz" wrap="square" lIns="91440" tIns="45720" rIns="91440" bIns="45720" numCol="1" anchor="t" anchorCtr="0" compatLnSpc="1">
+            <a:prstTxWarp prst="textNoShape">
+              <a:avLst/>
+            </a:prstTxWarp>
+          </a:bodyPr>
+          <a:lstStyle/>
+          <a:p>
+            <a:endParaRPr lang="ru-RU"/>
+          </a:p>
+        </p:txBody>
+      </p:sp>
+      <p:pic>
+        <p:nvPicPr>
+          <p:cNvPr id="6" name="Рисунок 5"/>
+          <p:cNvPicPr>
+            <a:picLocks noChangeAspect="1"/>
+          </p:cNvPicPr>
+          <p:nvPr/>
+        </p:nvPicPr>
+        <p:blipFill>
+          <a:blip r:embed="rId2"/>
+          <a:stretch>
+            <a:fillRect/>
+          </a:stretch>
+        </p:blipFill>
+        <p:spPr>
+          <a:xfrm>
+            <a:off x="612775" y="2319078"/>
+            <a:ext cx="7981950" cy="4248150"/>
+          </a:xfrm>
+          <a:prstGeom prst="rect">
+            <a:avLst/>
+          </a:prstGeom>
+        </p:spPr>
+      </p:pic>
     </p:spTree>
     <p:extLst>
       <p:ext uri="{BB962C8B-B14F-4D97-AF65-F5344CB8AC3E}">
@@ -6422,6 +6738,9 @@
   <p:clrMapOvr>
     <a:masterClrMapping/>
   </p:clrMapOvr>
+  <p:transition spd="med">
+    <p:pull/>
+  </p:transition>
 </p:sld>
 </file>
 
@@ -6495,6 +6814,242 @@
           </a:p>
         </p:txBody>
       </p:sp>
+      <p:sp>
+        <p:nvSpPr>
+          <p:cNvPr id="4" name="TextBox 3"/>
+          <p:cNvSpPr txBox="1"/>
+          <p:nvPr/>
+        </p:nvSpPr>
+        <p:spPr>
+          <a:xfrm>
+            <a:off x="646111" y="1598635"/>
+            <a:ext cx="3172663" cy="3139321"/>
+          </a:xfrm>
+          <a:prstGeom prst="rect">
+            <a:avLst/>
+          </a:prstGeom>
+          <a:noFill/>
+        </p:spPr>
+        <p:txBody>
+          <a:bodyPr wrap="none" rtlCol="0">
+            <a:spAutoFit/>
+          </a:bodyPr>
+          <a:lstStyle/>
+          <a:p>
+            <a:r>
+              <a:rPr lang="ru-RU" dirty="0" smtClean="0"/>
+              <a:t>Пользователь может: </a:t>
+            </a:r>
+          </a:p>
+          <a:p>
+            <a:endParaRPr lang="ru-RU" dirty="0"/>
+          </a:p>
+          <a:p>
+            <a:endParaRPr lang="ru-RU" dirty="0" smtClean="0"/>
+          </a:p>
+          <a:p>
+            <a:pPr marL="342900" indent="-342900">
+              <a:buAutoNum type="arabicParenR"/>
+            </a:pPr>
+            <a:r>
+              <a:rPr lang="ru-RU" dirty="0" smtClean="0"/>
+              <a:t>Забронировать столик</a:t>
+            </a:r>
+          </a:p>
+          <a:p>
+            <a:pPr marL="342900" indent="-342900">
+              <a:buAutoNum type="arabicParenR"/>
+            </a:pPr>
+            <a:endParaRPr lang="ru-RU" dirty="0" smtClean="0"/>
+          </a:p>
+          <a:p>
+            <a:pPr marL="342900" indent="-342900">
+              <a:buAutoNum type="arabicParenR"/>
+            </a:pPr>
+            <a:r>
+              <a:rPr lang="ru-RU" dirty="0" smtClean="0"/>
+              <a:t>Оставить отзыв</a:t>
+            </a:r>
+          </a:p>
+          <a:p>
+            <a:pPr marL="342900" indent="-342900">
+              <a:buAutoNum type="arabicParenR"/>
+            </a:pPr>
+            <a:endParaRPr lang="ru-RU" dirty="0" smtClean="0"/>
+          </a:p>
+          <a:p>
+            <a:pPr marL="342900" indent="-342900">
+              <a:buAutoNum type="arabicParenR"/>
+            </a:pPr>
+            <a:r>
+              <a:rPr lang="ru-RU" dirty="0" smtClean="0"/>
+              <a:t>Изучить меню</a:t>
+            </a:r>
+          </a:p>
+          <a:p>
+            <a:pPr marL="342900" indent="-342900">
+              <a:buAutoNum type="arabicParenR"/>
+            </a:pPr>
+            <a:endParaRPr lang="ru-RU" dirty="0" smtClean="0"/>
+          </a:p>
+          <a:p>
+            <a:pPr marL="342900" indent="-342900">
+              <a:buAutoNum type="arabicParenR"/>
+            </a:pPr>
+            <a:r>
+              <a:rPr lang="ru-RU" dirty="0" smtClean="0"/>
+              <a:t>«Поиграть»</a:t>
+            </a:r>
+          </a:p>
+          <a:p>
+            <a:pPr marL="342900" indent="-342900">
+              <a:buAutoNum type="arabicParenR"/>
+            </a:pPr>
+            <a:endParaRPr lang="ru-RU" dirty="0"/>
+          </a:p>
+        </p:txBody>
+      </p:sp>
+      <p:pic>
+        <p:nvPicPr>
+          <p:cNvPr id="3074" name="Picture 2" descr="Игральный Кубик Png Clipart (#3655666) - PikPng"/>
+          <p:cNvPicPr>
+            <a:picLocks noChangeAspect="1" noChangeArrowheads="1"/>
+          </p:cNvPicPr>
+          <p:nvPr/>
+        </p:nvPicPr>
+        <p:blipFill>
+          <a:blip r:embed="rId2">
+            <a:extLst>
+              <a:ext uri="{BEBA8EAE-BF5A-486C-A8C5-ECC9F3942E4B}">
+                <a14:imgProps xmlns:a14="http://schemas.microsoft.com/office/drawing/2010/main">
+                  <a14:imgLayer r:embed="rId3">
+                    <a14:imgEffect>
+                      <a14:backgroundRemoval t="0" b="100000" l="42562" r="100000"/>
+                    </a14:imgEffect>
+                  </a14:imgLayer>
+                </a14:imgProps>
+              </a:ext>
+              <a:ext uri="{28A0092B-C50C-407E-A947-70E740481C1C}">
+                <a14:useLocalDpi xmlns:a14="http://schemas.microsoft.com/office/drawing/2010/main" val="0"/>
+              </a:ext>
+            </a:extLst>
+          </a:blip>
+          <a:srcRect/>
+          <a:stretch>
+            <a:fillRect/>
+          </a:stretch>
+        </p:blipFill>
+        <p:spPr bwMode="auto">
+          <a:xfrm>
+            <a:off x="1704434" y="3399905"/>
+            <a:ext cx="1479398" cy="1271549"/>
+          </a:xfrm>
+          <a:prstGeom prst="rect">
+            <a:avLst/>
+          </a:prstGeom>
+          <a:noFill/>
+          <a:extLst>
+            <a:ext uri="{909E8E84-426E-40DD-AFC4-6F175D3DCCD1}">
+              <a14:hiddenFill xmlns:a14="http://schemas.microsoft.com/office/drawing/2010/main">
+                <a:solidFill>
+                  <a:srgbClr val="FFFFFF"/>
+                </a:solidFill>
+              </a14:hiddenFill>
+            </a:ext>
+          </a:extLst>
+        </p:spPr>
+      </p:pic>
+      <p:pic>
+        <p:nvPicPr>
+          <p:cNvPr id="3078" name="Picture 6" descr="Ложка и вилка – Бесплатные иконки: еда и ресторан"/>
+          <p:cNvPicPr>
+            <a:picLocks noChangeAspect="1" noChangeArrowheads="1"/>
+          </p:cNvPicPr>
+          <p:nvPr/>
+        </p:nvPicPr>
+        <p:blipFill>
+          <a:blip r:embed="rId4" cstate="print">
+            <a:extLst>
+              <a:ext uri="{28A0092B-C50C-407E-A947-70E740481C1C}">
+                <a14:useLocalDpi xmlns:a14="http://schemas.microsoft.com/office/drawing/2010/main" val="0"/>
+              </a:ext>
+            </a:extLst>
+          </a:blip>
+          <a:srcRect/>
+          <a:stretch>
+            <a:fillRect/>
+          </a:stretch>
+        </p:blipFill>
+        <p:spPr bwMode="auto">
+          <a:xfrm>
+            <a:off x="3104482" y="3294545"/>
+            <a:ext cx="741134" cy="741134"/>
+          </a:xfrm>
+          <a:prstGeom prst="rect">
+            <a:avLst/>
+          </a:prstGeom>
+          <a:noFill/>
+          <a:extLst>
+            <a:ext uri="{909E8E84-426E-40DD-AFC4-6F175D3DCCD1}">
+              <a14:hiddenFill xmlns:a14="http://schemas.microsoft.com/office/drawing/2010/main">
+                <a:solidFill>
+                  <a:srgbClr val="FFFFFF"/>
+                </a:solidFill>
+              </a14:hiddenFill>
+            </a:ext>
+          </a:extLst>
+        </p:spPr>
+      </p:pic>
+      <p:pic>
+        <p:nvPicPr>
+          <p:cNvPr id="3080" name="Picture 8" descr="Число, 5, Цифра, Рисунок, Шифр, Счетчик, Цифровой, Красный, Глянцевый, png  | PNGWing"/>
+          <p:cNvPicPr>
+            <a:picLocks noChangeAspect="1" noChangeArrowheads="1"/>
+          </p:cNvPicPr>
+          <p:nvPr/>
+        </p:nvPicPr>
+        <p:blipFill>
+          <a:blip r:embed="rId5" cstate="print">
+            <a:extLst>
+              <a:ext uri="{BEBA8EAE-BF5A-486C-A8C5-ECC9F3942E4B}">
+                <a14:imgProps xmlns:a14="http://schemas.microsoft.com/office/drawing/2010/main">
+                  <a14:imgLayer r:embed="rId6">
+                    <a14:imgEffect>
+                      <a14:backgroundRemoval t="0" b="100000" l="0" r="100000"/>
+                    </a14:imgEffect>
+                  </a14:imgLayer>
+                </a14:imgProps>
+              </a:ext>
+              <a:ext uri="{28A0092B-C50C-407E-A947-70E740481C1C}">
+                <a14:useLocalDpi xmlns:a14="http://schemas.microsoft.com/office/drawing/2010/main" val="0"/>
+              </a:ext>
+            </a:extLst>
+          </a:blip>
+          <a:srcRect/>
+          <a:stretch>
+            <a:fillRect/>
+          </a:stretch>
+        </p:blipFill>
+        <p:spPr bwMode="auto">
+          <a:xfrm>
+            <a:off x="3945804" y="2759825"/>
+            <a:ext cx="592701" cy="811098"/>
+          </a:xfrm>
+          <a:prstGeom prst="rect">
+            <a:avLst/>
+          </a:prstGeom>
+          <a:noFill/>
+          <a:extLst>
+            <a:ext uri="{909E8E84-426E-40DD-AFC4-6F175D3DCCD1}">
+              <a14:hiddenFill xmlns:a14="http://schemas.microsoft.com/office/drawing/2010/main">
+                <a:solidFill>
+                  <a:srgbClr val="FFFFFF"/>
+                </a:solidFill>
+              </a14:hiddenFill>
+            </a:ext>
+          </a:extLst>
+        </p:spPr>
+      </p:pic>
     </p:spTree>
     <p:extLst>
       <p:ext uri="{BB962C8B-B14F-4D97-AF65-F5344CB8AC3E}">
@@ -6505,6 +7060,9 @@
   <p:clrMapOvr>
     <a:masterClrMapping/>
   </p:clrMapOvr>
+  <p:transition spd="med">
+    <p:pull/>
+  </p:transition>
 </p:sld>
 </file>
 
@@ -6548,6 +7106,56 @@
           </a:p>
         </p:txBody>
       </p:sp>
+      <p:pic>
+        <p:nvPicPr>
+          <p:cNvPr id="4098" name="Picture 2" descr="Телевидение, Телевидение, Телевизор, Телешоу, Красный, Технология, Средства  массовой информации, Линия, линия, средства массовой информации,  мультимедиа png | PNGWing"/>
+          <p:cNvPicPr>
+            <a:picLocks noChangeAspect="1" noChangeArrowheads="1"/>
+          </p:cNvPicPr>
+          <p:nvPr/>
+        </p:nvPicPr>
+        <p:blipFill>
+          <a:blip r:embed="rId2">
+            <a:extLst>
+              <a:ext uri="{BEBA8EAE-BF5A-486C-A8C5-ECC9F3942E4B}">
+                <a14:imgProps xmlns:a14="http://schemas.microsoft.com/office/drawing/2010/main">
+                  <a14:imgLayer r:embed="rId3">
+                    <a14:imgEffect>
+                      <a14:backgroundRemoval t="153" b="100000" l="10000" r="90000"/>
+                    </a14:imgEffect>
+                  </a14:imgLayer>
+                </a14:imgProps>
+              </a:ext>
+              <a:ext uri="{28A0092B-C50C-407E-A947-70E740481C1C}">
+                <a14:useLocalDpi xmlns:a14="http://schemas.microsoft.com/office/drawing/2010/main" val="0"/>
+              </a:ext>
+            </a:extLst>
+          </a:blip>
+          <a:srcRect/>
+          <a:stretch>
+            <a:fillRect/>
+          </a:stretch>
+        </p:blipFill>
+        <p:spPr bwMode="auto">
+          <a:xfrm>
+            <a:off x="1529540" y="661013"/>
+            <a:ext cx="7447223" cy="5302099"/>
+          </a:xfrm>
+          <a:prstGeom prst="rect">
+            <a:avLst/>
+          </a:prstGeom>
+          <a:noFill/>
+          <a:extLst>
+            <a:ext uri="{909E8E84-426E-40DD-AFC4-6F175D3DCCD1}">
+              <a14:hiddenFill xmlns:a14="http://schemas.microsoft.com/office/drawing/2010/main">
+                <a:solidFill>
+                  <a:srgbClr val="FFFFFF"/>
+                </a:solidFill>
+              </a14:hiddenFill>
+            </a:ext>
+          </a:extLst>
+        </p:spPr>
+      </p:pic>
     </p:spTree>
     <p:extLst>
       <p:ext uri="{BB962C8B-B14F-4D97-AF65-F5344CB8AC3E}">
@@ -6558,6 +7166,9 @@
   <p:clrMapOvr>
     <a:masterClrMapping/>
   </p:clrMapOvr>
+  <p:transition spd="med">
+    <p:pull/>
+  </p:transition>
 </p:sld>
 </file>
 
@@ -6601,6 +7212,109 @@
           </a:p>
         </p:txBody>
       </p:sp>
+      <p:sp>
+        <p:nvSpPr>
+          <p:cNvPr id="3" name="TextBox 2"/>
+          <p:cNvSpPr txBox="1"/>
+          <p:nvPr/>
+        </p:nvSpPr>
+        <p:spPr>
+          <a:xfrm>
+            <a:off x="681641" y="1413165"/>
+            <a:ext cx="5227713" cy="2031325"/>
+          </a:xfrm>
+          <a:prstGeom prst="rect">
+            <a:avLst/>
+          </a:prstGeom>
+          <a:noFill/>
+        </p:spPr>
+        <p:txBody>
+          <a:bodyPr wrap="none" rtlCol="0">
+            <a:spAutoFit/>
+          </a:bodyPr>
+          <a:lstStyle/>
+          <a:p>
+            <a:r>
+              <a:rPr lang="ru-RU" dirty="0" smtClean="0"/>
+              <a:t>1. Добавление платежной системы</a:t>
+            </a:r>
+          </a:p>
+          <a:p>
+            <a:endParaRPr lang="ru-RU" dirty="0"/>
+          </a:p>
+          <a:p>
+            <a:r>
+              <a:rPr lang="ru-RU" dirty="0" smtClean="0"/>
+              <a:t>2. Прокладывание маршрута до заведения</a:t>
+            </a:r>
+          </a:p>
+          <a:p>
+            <a:r>
+              <a:rPr lang="ru-RU" dirty="0" smtClean="0"/>
+              <a:t> </a:t>
+            </a:r>
+          </a:p>
+          <a:p>
+            <a:r>
+              <a:rPr lang="ru-RU" dirty="0" smtClean="0"/>
+              <a:t>3. Добавление регистрации пользователя</a:t>
+            </a:r>
+          </a:p>
+          <a:p>
+            <a:r>
+              <a:rPr lang="ru-RU" dirty="0" smtClean="0"/>
+              <a:t> </a:t>
+            </a:r>
+          </a:p>
+          <a:p>
+            <a:r>
+              <a:rPr lang="ru-RU" dirty="0" smtClean="0"/>
+              <a:t> </a:t>
+            </a:r>
+          </a:p>
+        </p:txBody>
+      </p:sp>
+      <p:pic>
+        <p:nvPicPr>
+          <p:cNvPr id="4" name="Picture 2" descr="Python – Бесплатные иконки: логотип"/>
+          <p:cNvPicPr>
+            <a:picLocks noChangeAspect="1" noChangeArrowheads="1"/>
+          </p:cNvPicPr>
+          <p:nvPr/>
+        </p:nvPicPr>
+        <p:blipFill>
+          <a:blip r:embed="rId2">
+            <a:extLst>
+              <a:ext uri="{28A0092B-C50C-407E-A947-70E740481C1C}">
+                <a14:useLocalDpi xmlns:a14="http://schemas.microsoft.com/office/drawing/2010/main" val="0"/>
+              </a:ext>
+            </a:extLst>
+          </a:blip>
+          <a:srcRect/>
+          <a:stretch>
+            <a:fillRect/>
+          </a:stretch>
+        </p:blipFill>
+        <p:spPr bwMode="auto">
+          <a:xfrm>
+            <a:off x="773083" y="2992441"/>
+            <a:ext cx="3602586" cy="3602587"/>
+          </a:xfrm>
+          <a:prstGeom prst="rect">
+            <a:avLst/>
+          </a:prstGeom>
+          <a:noFill/>
+          <a:extLst>
+            <a:ext uri="{909E8E84-426E-40DD-AFC4-6F175D3DCCD1}">
+              <a14:hiddenFill xmlns:a14="http://schemas.microsoft.com/office/drawing/2010/main">
+                <a:solidFill>
+                  <a:srgbClr val="FFFFFF"/>
+                </a:solidFill>
+              </a14:hiddenFill>
+            </a:ext>
+          </a:extLst>
+        </p:spPr>
+      </p:pic>
     </p:spTree>
     <p:extLst>
       <p:ext uri="{BB962C8B-B14F-4D97-AF65-F5344CB8AC3E}">
@@ -6611,6 +7325,16 @@
   <p:clrMapOvr>
     <a:masterClrMapping/>
   </p:clrMapOvr>
+  <p:transition spd="med">
+    <p:pull/>
+  </p:transition>
+  <p:timing>
+    <p:tnLst>
+      <p:par>
+        <p:cTn id="1" dur="indefinite" restart="never" nodeType="tmRoot"/>
+      </p:par>
+    </p:tnLst>
+  </p:timing>
 </p:sld>
 </file>
 
@@ -6670,6 +7394,16 @@
   <p:clrMapOvr>
     <a:masterClrMapping/>
   </p:clrMapOvr>
+  <p:transition spd="med">
+    <p:pull/>
+  </p:transition>
+  <p:timing>
+    <p:tnLst>
+      <p:par>
+        <p:cTn id="1" dur="indefinite" restart="never" nodeType="tmRoot"/>
+      </p:par>
+    </p:tnLst>
+  </p:timing>
 </p:sld>
 </file>
 
